--- a/presentation.pptx
+++ b/presentation.pptx
@@ -14,7 +14,6 @@
     <p:sldId id="262" r:id="rId13"/>
     <p:sldId id="263" r:id="rId14"/>
     <p:sldId id="264" r:id="rId15"/>
-    <p:sldId id="265" r:id="rId16"/>
   </p:sldIdLst>
   <p:sldSz cx="9144000" cy="6858000" type="screen4x3"/>
   <p:notesSz cx="6858000" cy="9144000"/>
@@ -3123,12 +3122,12 @@
             <a:pPr>
               <a:defRPr>
                 <a:solidFill>
-                  <a:srgbClr val="800080"/>
+                  <a:srgbClr val="000000"/>
                 </a:solidFill>
               </a:defRPr>
             </a:pPr>
             <a:r>
-              <a:t>What is Agentic AI?</a:t>
+              <a:t>Agentic AI: The Rise of Autonomous Intelligence</a:t>
             </a:r>
           </a:p>
         </p:txBody>
@@ -3152,143 +3151,36 @@
             <a:pPr algn="l">
               <a:defRPr sz="3000">
                 <a:solidFill>
-                  <a:srgbClr val="008000"/>
+                  <a:srgbClr val="000000"/>
                 </a:solidFill>
               </a:defRPr>
             </a:pPr>
             <a:r>
-              <a:t>AI that acts autonomously to achieve goals.</a:t>
+              <a:t>Exploring the Future of AI</a:t>
             </a:r>
           </a:p>
           <a:p>
             <a:pPr algn="l">
               <a:defRPr sz="3000">
                 <a:solidFill>
-                  <a:srgbClr val="008000"/>
+                  <a:srgbClr val="000000"/>
                 </a:solidFill>
               </a:defRPr>
             </a:pPr>
             <a:r>
-              <a:t>Goes beyond simple task execution.</a:t>
+              <a:t>Understanding Autonomous Agents</a:t>
             </a:r>
           </a:p>
           <a:p>
             <a:pPr algn="l">
               <a:defRPr sz="3000">
                 <a:solidFill>
-                  <a:srgbClr val="008000"/>
+                  <a:srgbClr val="000000"/>
                 </a:solidFill>
               </a:defRPr>
             </a:pPr>
             <a:r>
-              <a:t>Possesses capabilities for planning, reasoning, and learning.</a:t>
-            </a:r>
-          </a:p>
-          <a:p>
-            <a:pPr algn="l">
-              <a:defRPr sz="3000">
-                <a:solidFill>
-                  <a:srgbClr val="008000"/>
-                </a:solidFill>
-              </a:defRPr>
-            </a:pPr>
-            <a:r>
-              <a:t>Can interact with its environment and make decisions.</a:t>
-            </a:r>
-          </a:p>
-        </p:txBody>
-      </p:sp>
-    </p:spTree>
-  </p:cSld>
-  <p:clrMapOvr>
-    <a:masterClrMapping/>
-  </p:clrMapOvr>
-</p:sld>
-</file>
-
-<file path=ppt/slides/slide10.xml><?xml version="1.0" encoding="utf-8"?>
-<p:sld xmlns:a="http://schemas.openxmlformats.org/drawingml/2006/main" xmlns:p="http://schemas.openxmlformats.org/presentationml/2006/main" xmlns:r="http://schemas.openxmlformats.org/officeDocument/2006/relationships">
-  <p:cSld>
-    <p:bg>
-      <p:bgPr>
-        <a:solidFill>
-          <a:srgbClr val="FFFFFF"/>
-        </a:solidFill>
-        <a:effectLst/>
-      </p:bgPr>
-    </p:bg>
-    <p:spTree>
-      <p:nvGrpSpPr>
-        <p:cNvPr id="1" name=""/>
-        <p:cNvGrpSpPr/>
-        <p:nvPr/>
-      </p:nvGrpSpPr>
-      <p:grpSpPr/>
-      <p:sp>
-        <p:nvSpPr>
-          <p:cNvPr id="2" name="Title 1"/>
-          <p:cNvSpPr>
-            <a:spLocks noGrp="1"/>
-          </p:cNvSpPr>
-          <p:nvPr>
-            <p:ph type="title"/>
-          </p:nvPr>
-        </p:nvSpPr>
-        <p:spPr/>
-        <p:txBody>
-          <a:bodyPr/>
-          <a:lstStyle/>
-          <a:p>
-            <a:pPr>
-              <a:defRPr>
-                <a:solidFill>
-                  <a:srgbClr val="800080"/>
-                </a:solidFill>
-              </a:defRPr>
-            </a:pPr>
-            <a:r>
-              <a:t>Q&amp;A</a:t>
-            </a:r>
-          </a:p>
-        </p:txBody>
-      </p:sp>
-      <p:sp>
-        <p:nvSpPr>
-          <p:cNvPr id="3" name="Content Placeholder 2"/>
-          <p:cNvSpPr>
-            <a:spLocks noGrp="1"/>
-          </p:cNvSpPr>
-          <p:nvPr>
-            <p:ph idx="1"/>
-          </p:nvPr>
-        </p:nvSpPr>
-        <p:spPr/>
-        <p:txBody>
-          <a:bodyPr/>
-          <a:lstStyle/>
-          <a:p/>
-          <a:p>
-            <a:pPr algn="l">
-              <a:defRPr sz="3000">
-                <a:solidFill>
-                  <a:srgbClr val="008000"/>
-                </a:solidFill>
-              </a:defRPr>
-            </a:pPr>
-            <a:r>
-              <a:t>Open for questions.</a:t>
-            </a:r>
-          </a:p>
-          <a:p>
-            <a:pPr algn="l">
-              <a:defRPr sz="3000">
-                <a:solidFill>
-                  <a:srgbClr val="008000"/>
-                </a:solidFill>
-              </a:defRPr>
-            </a:pPr>
-            <a:r>
-              <a:t>Let's discuss the impact of Agentic AI.</a:t>
+              <a:t>Key Concepts and Applications</a:t>
             </a:r>
           </a:p>
         </p:txBody>
@@ -3337,12 +3229,12 @@
             <a:pPr>
               <a:defRPr>
                 <a:solidFill>
-                  <a:srgbClr val="800080"/>
+                  <a:srgbClr val="000000"/>
                 </a:solidFill>
               </a:defRPr>
             </a:pPr>
             <a:r>
-              <a:t>Key Components of an Agent</a:t>
+              <a:t>What is Agentic AI?</a:t>
             </a:r>
           </a:p>
         </p:txBody>
@@ -3366,60 +3258,36 @@
             <a:pPr algn="l">
               <a:defRPr sz="3000">
                 <a:solidFill>
-                  <a:srgbClr val="008000"/>
+                  <a:srgbClr val="000000"/>
                 </a:solidFill>
               </a:defRPr>
             </a:pPr>
             <a:r>
-              <a:t>Perception: Sensing the environment (data input).</a:t>
+              <a:t>AI that acts autonomously in an environment.</a:t>
             </a:r>
           </a:p>
           <a:p>
             <a:pPr algn="l">
               <a:defRPr sz="3000">
                 <a:solidFill>
-                  <a:srgbClr val="008000"/>
+                  <a:srgbClr val="000000"/>
                 </a:solidFill>
               </a:defRPr>
             </a:pPr>
             <a:r>
-              <a:t>Reasoning: Processing information and making inferences.</a:t>
+              <a:t>Perceives, reasons, and takes actions to achieve goals.</a:t>
             </a:r>
           </a:p>
           <a:p>
             <a:pPr algn="l">
               <a:defRPr sz="3000">
                 <a:solidFill>
-                  <a:srgbClr val="008000"/>
+                  <a:srgbClr val="000000"/>
                 </a:solidFill>
               </a:defRPr>
             </a:pPr>
             <a:r>
-              <a:t>Planning: Devising a sequence of actions.</a:t>
-            </a:r>
-          </a:p>
-          <a:p>
-            <a:pPr algn="l">
-              <a:defRPr sz="3000">
-                <a:solidFill>
-                  <a:srgbClr val="008000"/>
-                </a:solidFill>
-              </a:defRPr>
-            </a:pPr>
-            <a:r>
-              <a:t>Action: Executing decisions in the environment.</a:t>
-            </a:r>
-          </a:p>
-          <a:p>
-            <a:pPr algn="l">
-              <a:defRPr sz="3000">
-                <a:solidFill>
-                  <a:srgbClr val="008000"/>
-                </a:solidFill>
-              </a:defRPr>
-            </a:pPr>
-            <a:r>
-              <a:t>Learning: Adapting and improving over time.</a:t>
+              <a:t>Can learn and adapt over time.</a:t>
             </a:r>
           </a:p>
         </p:txBody>
@@ -3468,12 +3336,12 @@
             <a:pPr>
               <a:defRPr>
                 <a:solidFill>
-                  <a:srgbClr val="800080"/>
+                  <a:srgbClr val="000000"/>
                 </a:solidFill>
               </a:defRPr>
             </a:pPr>
             <a:r>
-              <a:t>Types of Agentic AI</a:t>
+              <a:t>Core Components of an Agent</a:t>
             </a:r>
           </a:p>
         </p:txBody>
@@ -3497,48 +3365,48 @@
             <a:pPr algn="l">
               <a:defRPr sz="3000">
                 <a:solidFill>
-                  <a:srgbClr val="008000"/>
+                  <a:srgbClr val="000000"/>
                 </a:solidFill>
               </a:defRPr>
             </a:pPr>
             <a:r>
-              <a:t>Simple Reflex Agents: React to current percepts only.</a:t>
+              <a:t>Sensors: Gathering information from the environment.</a:t>
             </a:r>
           </a:p>
           <a:p>
             <a:pPr algn="l">
               <a:defRPr sz="3000">
                 <a:solidFill>
-                  <a:srgbClr val="008000"/>
+                  <a:srgbClr val="000000"/>
                 </a:solidFill>
               </a:defRPr>
             </a:pPr>
             <a:r>
-              <a:t>Model-Based Agents: Maintain an internal state (model of the world).</a:t>
+              <a:t>Actuators: Performing actions in the environment.</a:t>
             </a:r>
           </a:p>
           <a:p>
             <a:pPr algn="l">
               <a:defRPr sz="3000">
                 <a:solidFill>
-                  <a:srgbClr val="008000"/>
+                  <a:srgbClr val="000000"/>
                 </a:solidFill>
               </a:defRPr>
             </a:pPr>
             <a:r>
-              <a:t>Goal-Based Agents: Act to achieve specific goals.</a:t>
+              <a:t>Knowledge Base: Storing information and rules.</a:t>
             </a:r>
           </a:p>
           <a:p>
             <a:pPr algn="l">
               <a:defRPr sz="3000">
                 <a:solidFill>
-                  <a:srgbClr val="008000"/>
+                  <a:srgbClr val="000000"/>
                 </a:solidFill>
               </a:defRPr>
             </a:pPr>
             <a:r>
-              <a:t>Utility-Based Agents: Maximize expected utility (happiness/reward).</a:t>
+              <a:t>Reasoning Engine: Making decisions based on knowledge and perception.</a:t>
             </a:r>
           </a:p>
         </p:txBody>
@@ -3587,12 +3455,12 @@
             <a:pPr>
               <a:defRPr>
                 <a:solidFill>
-                  <a:srgbClr val="800080"/>
+                  <a:srgbClr val="000000"/>
                 </a:solidFill>
               </a:defRPr>
             </a:pPr>
             <a:r>
-              <a:t>How Agentic AI Works: An Example</a:t>
+              <a:t>Types of AI Agents</a:t>
             </a:r>
           </a:p>
         </p:txBody>
@@ -3616,60 +3484,48 @@
             <a:pPr algn="l">
               <a:defRPr sz="3000">
                 <a:solidFill>
-                  <a:srgbClr val="008000"/>
+                  <a:srgbClr val="000000"/>
                 </a:solidFill>
               </a:defRPr>
             </a:pPr>
             <a:r>
-              <a:t>Scenario: A smart home energy manager.</a:t>
+              <a:t>Simple Reflex Agents: React to current perceptions.</a:t>
             </a:r>
           </a:p>
           <a:p>
             <a:pPr algn="l">
               <a:defRPr sz="3000">
                 <a:solidFill>
-                  <a:srgbClr val="008000"/>
+                  <a:srgbClr val="000000"/>
                 </a:solidFill>
               </a:defRPr>
             </a:pPr>
             <a:r>
-              <a:t>Perceives: Electricity prices, weather forecasts, occupancy.</a:t>
+              <a:t>Model-Based Reflex Agents: Maintain internal state.</a:t>
             </a:r>
           </a:p>
           <a:p>
             <a:pPr algn="l">
               <a:defRPr sz="3000">
                 <a:solidFill>
-                  <a:srgbClr val="008000"/>
+                  <a:srgbClr val="000000"/>
                 </a:solidFill>
               </a:defRPr>
             </a:pPr>
             <a:r>
-              <a:t>Reasons: Predicts energy needs and optimal usage times.</a:t>
+              <a:t>Goal-Based Agents: Act to achieve specific goals.</a:t>
             </a:r>
           </a:p>
           <a:p>
             <a:pPr algn="l">
               <a:defRPr sz="3000">
                 <a:solidFill>
-                  <a:srgbClr val="008000"/>
+                  <a:srgbClr val="000000"/>
                 </a:solidFill>
               </a:defRPr>
             </a:pPr>
             <a:r>
-              <a:t>Plans: Schedules appliance usage for cost savings.</a:t>
-            </a:r>
-          </a:p>
-          <a:p>
-            <a:pPr algn="l">
-              <a:defRPr sz="3000">
-                <a:solidFill>
-                  <a:srgbClr val="008000"/>
-                </a:solidFill>
-              </a:defRPr>
-            </a:pPr>
-            <a:r>
-              <a:t>Acts: Adjusts thermostat, turns on/off appliances.</a:t>
+              <a:t>Utility-Based Agents: Optimize for desired outcomes.</a:t>
             </a:r>
           </a:p>
         </p:txBody>
@@ -3718,12 +3574,12 @@
             <a:pPr>
               <a:defRPr>
                 <a:solidFill>
-                  <a:srgbClr val="800080"/>
+                  <a:srgbClr val="000000"/>
                 </a:solidFill>
               </a:defRPr>
             </a:pPr>
             <a:r>
-              <a:t>Applications of Agentic AI</a:t>
+              <a:t>Key Capabilities of Agentic AI</a:t>
             </a:r>
           </a:p>
         </p:txBody>
@@ -3747,60 +3603,48 @@
             <a:pPr algn="l">
               <a:defRPr sz="3000">
                 <a:solidFill>
-                  <a:srgbClr val="008000"/>
+                  <a:srgbClr val="000000"/>
                 </a:solidFill>
               </a:defRPr>
             </a:pPr>
             <a:r>
-              <a:t>Robotics and Autonomous Systems (drones, self-driving cars).</a:t>
+              <a:t>Autonomy: Independent decision-making and action.</a:t>
             </a:r>
           </a:p>
           <a:p>
             <a:pPr algn="l">
               <a:defRPr sz="3000">
                 <a:solidFill>
-                  <a:srgbClr val="008000"/>
+                  <a:srgbClr val="000000"/>
                 </a:solidFill>
               </a:defRPr>
             </a:pPr>
             <a:r>
-              <a:t>Personalized Assistants and Chatbots.</a:t>
+              <a:t>Adaptability: Learning and adjusting to new situations.</a:t>
             </a:r>
           </a:p>
           <a:p>
             <a:pPr algn="l">
               <a:defRPr sz="3000">
                 <a:solidFill>
-                  <a:srgbClr val="008000"/>
+                  <a:srgbClr val="000000"/>
                 </a:solidFill>
               </a:defRPr>
             </a:pPr>
             <a:r>
-              <a:t>Supply Chain Optimization and Logistics.</a:t>
+              <a:t>Proactivity: Initiating actions to achieve goals.</a:t>
             </a:r>
           </a:p>
           <a:p>
             <a:pPr algn="l">
               <a:defRPr sz="3000">
                 <a:solidFill>
-                  <a:srgbClr val="008000"/>
+                  <a:srgbClr val="000000"/>
                 </a:solidFill>
               </a:defRPr>
             </a:pPr>
             <a:r>
-              <a:t>Scientific Discovery and Research.</a:t>
-            </a:r>
-          </a:p>
-          <a:p>
-            <a:pPr algn="l">
-              <a:defRPr sz="3000">
-                <a:solidFill>
-                  <a:srgbClr val="008000"/>
-                </a:solidFill>
-              </a:defRPr>
-            </a:pPr>
-            <a:r>
-              <a:t>Financial Trading and Analysis.</a:t>
+              <a:t>Collaboration: Working with other agents or humans.</a:t>
             </a:r>
           </a:p>
         </p:txBody>
@@ -3849,12 +3693,12 @@
             <a:pPr>
               <a:defRPr>
                 <a:solidFill>
-                  <a:srgbClr val="800080"/>
+                  <a:srgbClr val="000000"/>
                 </a:solidFill>
               </a:defRPr>
             </a:pPr>
             <a:r>
-              <a:t>Benefits of Agentic AI</a:t>
+              <a:t>Applications Across Industries</a:t>
             </a:r>
           </a:p>
         </p:txBody>
@@ -3878,60 +3722,48 @@
             <a:pPr algn="l">
               <a:defRPr sz="3000">
                 <a:solidFill>
-                  <a:srgbClr val="008000"/>
+                  <a:srgbClr val="000000"/>
                 </a:solidFill>
               </a:defRPr>
             </a:pPr>
             <a:r>
-              <a:t>Increased Efficiency and Productivity.</a:t>
+              <a:t>Robotics: Autonomous navigation and task execution.</a:t>
             </a:r>
           </a:p>
           <a:p>
             <a:pPr algn="l">
               <a:defRPr sz="3000">
                 <a:solidFill>
-                  <a:srgbClr val="008000"/>
+                  <a:srgbClr val="000000"/>
                 </a:solidFill>
               </a:defRPr>
             </a:pPr>
             <a:r>
-              <a:t>Enhanced Decision-Making Capabilities.</a:t>
+              <a:t>Customer Service: Intelligent chatbots and virtual assistants.</a:t>
             </a:r>
           </a:p>
           <a:p>
             <a:pPr algn="l">
               <a:defRPr sz="3000">
                 <a:solidFill>
-                  <a:srgbClr val="008000"/>
+                  <a:srgbClr val="000000"/>
                 </a:solidFill>
               </a:defRPr>
             </a:pPr>
             <a:r>
-              <a:t>Automation of Complex Tasks.</a:t>
+              <a:t>Finance: Algorithmic trading and fraud detection.</a:t>
             </a:r>
           </a:p>
           <a:p>
             <a:pPr algn="l">
               <a:defRPr sz="3000">
                 <a:solidFill>
-                  <a:srgbClr val="008000"/>
+                  <a:srgbClr val="000000"/>
                 </a:solidFill>
               </a:defRPr>
             </a:pPr>
             <a:r>
-              <a:t>Adaptability to Dynamic Environments.</a:t>
-            </a:r>
-          </a:p>
-          <a:p>
-            <a:pPr algn="l">
-              <a:defRPr sz="3000">
-                <a:solidFill>
-                  <a:srgbClr val="008000"/>
-                </a:solidFill>
-              </a:defRPr>
-            </a:pPr>
-            <a:r>
-              <a:t>Potential for Solving Grand Challenges.</a:t>
+              <a:t>Healthcare: AI-powered diagnostics and personalized treatment.</a:t>
             </a:r>
           </a:p>
         </p:txBody>
@@ -3980,12 +3812,12 @@
             <a:pPr>
               <a:defRPr>
                 <a:solidFill>
-                  <a:srgbClr val="800080"/>
+                  <a:srgbClr val="000000"/>
                 </a:solidFill>
               </a:defRPr>
             </a:pPr>
             <a:r>
-              <a:t>Challenges and Considerations</a:t>
+              <a:t>Challenges and Ethical Considerations</a:t>
             </a:r>
           </a:p>
         </p:txBody>
@@ -4009,60 +3841,48 @@
             <a:pPr algn="l">
               <a:defRPr sz="3000">
                 <a:solidFill>
-                  <a:srgbClr val="008000"/>
+                  <a:srgbClr val="000000"/>
                 </a:solidFill>
               </a:defRPr>
             </a:pPr>
             <a:r>
-              <a:t>Ethical implications and bias.</a:t>
+              <a:t>Control and Predictability: Ensuring safe and reliable behavior.</a:t>
             </a:r>
           </a:p>
           <a:p>
             <a:pPr algn="l">
               <a:defRPr sz="3000">
                 <a:solidFill>
-                  <a:srgbClr val="008000"/>
+                  <a:srgbClr val="000000"/>
                 </a:solidFill>
               </a:defRPr>
             </a:pPr>
             <a:r>
-              <a:t>Ensuring safety and control.</a:t>
+              <a:t>Bias and Fairness: Addressing potential discrimination in decisions.</a:t>
             </a:r>
           </a:p>
           <a:p>
             <a:pPr algn="l">
               <a:defRPr sz="3000">
                 <a:solidFill>
-                  <a:srgbClr val="008000"/>
+                  <a:srgbClr val="000000"/>
                 </a:solidFill>
               </a:defRPr>
             </a:pPr>
             <a:r>
-              <a:t>Complexity of development and deployment.</a:t>
+              <a:t>Job Displacement: Impact on the workforce.</a:t>
             </a:r>
           </a:p>
           <a:p>
             <a:pPr algn="l">
               <a:defRPr sz="3000">
                 <a:solidFill>
-                  <a:srgbClr val="008000"/>
+                  <a:srgbClr val="000000"/>
                 </a:solidFill>
               </a:defRPr>
             </a:pPr>
             <a:r>
-              <a:t>Need for robust validation and testing.</a:t>
-            </a:r>
-          </a:p>
-          <a:p>
-            <a:pPr algn="l">
-              <a:defRPr sz="3000">
-                <a:solidFill>
-                  <a:srgbClr val="008000"/>
-                </a:solidFill>
-              </a:defRPr>
-            </a:pPr>
-            <a:r>
-              <a:t>Job displacement concerns.</a:t>
+              <a:t>Security and Privacy: Protecting data and preventing misuse.</a:t>
             </a:r>
           </a:p>
         </p:txBody>
@@ -4111,7 +3931,7 @@
             <a:pPr>
               <a:defRPr>
                 <a:solidFill>
-                  <a:srgbClr val="800080"/>
+                  <a:srgbClr val="000000"/>
                 </a:solidFill>
               </a:defRPr>
             </a:pPr>
@@ -4140,60 +3960,48 @@
             <a:pPr algn="l">
               <a:defRPr sz="3000">
                 <a:solidFill>
-                  <a:srgbClr val="008000"/>
+                  <a:srgbClr val="000000"/>
                 </a:solidFill>
               </a:defRPr>
             </a:pPr>
             <a:r>
-              <a:t>Emergence of Multi-Agent Systems.</a:t>
+              <a:t>More Sophisticated Decision-Making.</a:t>
             </a:r>
           </a:p>
           <a:p>
             <a:pPr algn="l">
               <a:defRPr sz="3000">
                 <a:solidFill>
-                  <a:srgbClr val="008000"/>
+                  <a:srgbClr val="000000"/>
                 </a:solidFill>
               </a:defRPr>
             </a:pPr>
             <a:r>
-              <a:t>Greater Human-AI Collaboration.</a:t>
+              <a:t>Human-Agent Collaboration.</a:t>
             </a:r>
           </a:p>
           <a:p>
             <a:pPr algn="l">
               <a:defRPr sz="3000">
                 <a:solidFill>
-                  <a:srgbClr val="008000"/>
+                  <a:srgbClr val="000000"/>
                 </a:solidFill>
               </a:defRPr>
             </a:pPr>
             <a:r>
-              <a:t>Development of more sophisticated reasoning and learning.</a:t>
+              <a:t>Complex Problem Solving.</a:t>
             </a:r>
           </a:p>
           <a:p>
             <a:pPr algn="l">
               <a:defRPr sz="3000">
                 <a:solidFill>
-                  <a:srgbClr val="008000"/>
+                  <a:srgbClr val="000000"/>
                 </a:solidFill>
               </a:defRPr>
             </a:pPr>
             <a:r>
-              <a:t>Integration across various industries.</a:t>
-            </a:r>
-          </a:p>
-          <a:p>
-            <a:pPr algn="l">
-              <a:defRPr sz="3000">
-                <a:solidFill>
-                  <a:srgbClr val="008000"/>
-                </a:solidFill>
-              </a:defRPr>
-            </a:pPr>
-            <a:r>
-              <a:t>Proactive and predictive capabilities.</a:t>
+              <a:t>Transforming industries and daily life.</a:t>
             </a:r>
           </a:p>
         </p:txBody>
@@ -4242,12 +4050,12 @@
             <a:pPr>
               <a:defRPr>
                 <a:solidFill>
-                  <a:srgbClr val="800080"/>
+                  <a:srgbClr val="000000"/>
                 </a:solidFill>
               </a:defRPr>
             </a:pPr>
             <a:r>
-              <a:t>Conclusion &amp; Key Takeaways</a:t>
+              <a:t>Q&amp;A and Discussion</a:t>
             </a:r>
           </a:p>
         </p:txBody>
@@ -4271,60 +4079,24 @@
             <a:pPr algn="l">
               <a:defRPr sz="3000">
                 <a:solidFill>
-                  <a:srgbClr val="008000"/>
+                  <a:srgbClr val="000000"/>
                 </a:solidFill>
               </a:defRPr>
             </a:pPr>
             <a:r>
-              <a:t>Agentic AI represents a significant leap forward in AI capabilities.</a:t>
+              <a:t>Your questions answered.</a:t>
             </a:r>
           </a:p>
           <a:p>
             <a:pPr algn="l">
               <a:defRPr sz="3000">
                 <a:solidFill>
-                  <a:srgbClr val="008000"/>
+                  <a:srgbClr val="000000"/>
                 </a:solidFill>
               </a:defRPr>
             </a:pPr>
             <a:r>
-              <a:t>Focus on autonomous goal achievement.</a:t>
-            </a:r>
-          </a:p>
-          <a:p>
-            <a:pPr algn="l">
-              <a:defRPr sz="3000">
-                <a:solidFill>
-                  <a:srgbClr val="008000"/>
-                </a:solidFill>
-              </a:defRPr>
-            </a:pPr>
-            <a:r>
-              <a:t>Wide range of current and future applications.</a:t>
-            </a:r>
-          </a:p>
-          <a:p>
-            <a:pPr algn="l">
-              <a:defRPr sz="3000">
-                <a:solidFill>
-                  <a:srgbClr val="008000"/>
-                </a:solidFill>
-              </a:defRPr>
-            </a:pPr>
-            <a:r>
-              <a:t>Crucial to address ethical and practical challenges.</a:t>
-            </a:r>
-          </a:p>
-          <a:p>
-            <a:pPr algn="l">
-              <a:defRPr sz="3000">
-                <a:solidFill>
-                  <a:srgbClr val="008000"/>
-                </a:solidFill>
-              </a:defRPr>
-            </a:pPr>
-            <a:r>
-              <a:t>Prepare for a future powered by intelligent agents.</a:t>
+              <a:t>Open for discussion.</a:t>
             </a:r>
           </a:p>
         </p:txBody>
